--- a/syllabus/23_architecture_MVC/syllabus_23_mvc.pptx
+++ b/syllabus/23_architecture_MVC/syllabus_23_mvc.pptx
@@ -5045,7 +5045,7 @@
           <a:p>
             <a:fld id="{FCE9742F-4DAE-47F5-9244-6ACC3985DD6B}" type="datetimeFigureOut">
               <a:rPr lang="fr-BE" smtClean="0"/>
-              <a:t>09-09-25</a:t>
+              <a:t>20-02-26</a:t>
             </a:fld>
             <a:endParaRPr lang="fr-BE"/>
           </a:p>
@@ -6285,7 +6285,7 @@
           <a:p>
             <a:fld id="{F3953782-D06E-4853-BE3C-64C197273937}" type="datetimeFigureOut">
               <a:rPr lang="fr-BE" smtClean="0"/>
-              <a:t>09-09-25</a:t>
+              <a:t>20-02-26</a:t>
             </a:fld>
             <a:endParaRPr lang="fr-BE"/>
           </a:p>
@@ -8153,7 +8153,7 @@
           <a:p>
             <a:fld id="{F3953782-D06E-4853-BE3C-64C197273937}" type="datetimeFigureOut">
               <a:rPr lang="fr-BE" smtClean="0"/>
-              <a:t>09-09-25</a:t>
+              <a:t>20-02-26</a:t>
             </a:fld>
             <a:endParaRPr lang="fr-BE"/>
           </a:p>
@@ -8469,7 +8469,7 @@
           <a:p>
             <a:fld id="{F3953782-D06E-4853-BE3C-64C197273937}" type="datetimeFigureOut">
               <a:rPr lang="fr-BE" smtClean="0"/>
-              <a:t>09-09-25</a:t>
+              <a:t>20-02-26</a:t>
             </a:fld>
             <a:endParaRPr lang="fr-BE"/>
           </a:p>
@@ -8666,7 +8666,7 @@
           <a:p>
             <a:fld id="{F3953782-D06E-4853-BE3C-64C197273937}" type="datetimeFigureOut">
               <a:rPr lang="fr-BE" smtClean="0"/>
-              <a:t>09-09-25</a:t>
+              <a:t>20-02-26</a:t>
             </a:fld>
             <a:endParaRPr lang="fr-BE"/>
           </a:p>
@@ -8928,7 +8928,7 @@
           <a:p>
             <a:fld id="{F3953782-D06E-4853-BE3C-64C197273937}" type="datetimeFigureOut">
               <a:rPr lang="fr-BE" smtClean="0"/>
-              <a:t>09-09-25</a:t>
+              <a:t>20-02-26</a:t>
             </a:fld>
             <a:endParaRPr lang="fr-BE"/>
           </a:p>
@@ -9326,7 +9326,7 @@
           <a:p>
             <a:fld id="{F3953782-D06E-4853-BE3C-64C197273937}" type="datetimeFigureOut">
               <a:rPr lang="fr-BE" smtClean="0"/>
-              <a:t>09-09-25</a:t>
+              <a:t>20-02-26</a:t>
             </a:fld>
             <a:endParaRPr lang="fr-BE"/>
           </a:p>
@@ -9474,7 +9474,7 @@
           <a:p>
             <a:fld id="{F3953782-D06E-4853-BE3C-64C197273937}" type="datetimeFigureOut">
               <a:rPr lang="fr-BE" smtClean="0"/>
-              <a:t>09-09-25</a:t>
+              <a:t>20-02-26</a:t>
             </a:fld>
             <a:endParaRPr lang="fr-BE"/>
           </a:p>
@@ -9823,7 +9823,7 @@
           <a:p>
             <a:fld id="{F3953782-D06E-4853-BE3C-64C197273937}" type="datetimeFigureOut">
               <a:rPr lang="fr-BE" smtClean="0"/>
-              <a:t>09-09-25</a:t>
+              <a:t>20-02-26</a:t>
             </a:fld>
             <a:endParaRPr lang="fr-BE"/>
           </a:p>
@@ -10149,7 +10149,7 @@
           <a:p>
             <a:fld id="{F3953782-D06E-4853-BE3C-64C197273937}" type="datetimeFigureOut">
               <a:rPr lang="fr-BE" smtClean="0"/>
-              <a:t>09-09-25</a:t>
+              <a:t>20-02-26</a:t>
             </a:fld>
             <a:endParaRPr lang="fr-BE"/>
           </a:p>
@@ -10800,7 +10800,7 @@
         <p14:reveal/>
       </p:transition>
     </mc:Choice>
-    <mc:Fallback xmlns:ahyp="http://schemas.microsoft.com/office/drawing/2018/hyperlinkcolor" xmlns:p15="http://schemas.microsoft.com/office/powerpoint/2012/main" xmlns:com="http://schemas.openxmlformats.org/drawingml/2006/compatibility" xmlns:pvml="urn:schemas-microsoft-com:office:powerpoint" xmlns:v="urn:schemas-microsoft-com:vml" xmlns:o="urn:schemas-microsoft-com:office:office" xmlns:dgm="http://schemas.openxmlformats.org/drawingml/2006/diagram" xmlns:c="http://schemas.openxmlformats.org/drawingml/2006/chart" xmlns:mv="urn:schemas-microsoft-com:mac:vml" xmlns="">
+    <mc:Fallback xmlns="" xmlns:mv="urn:schemas-microsoft-com:mac:vml" xmlns:c="http://schemas.openxmlformats.org/drawingml/2006/chart" xmlns:dgm="http://schemas.openxmlformats.org/drawingml/2006/diagram" xmlns:o="urn:schemas-microsoft-com:office:office" xmlns:v="urn:schemas-microsoft-com:vml" xmlns:pvml="urn:schemas-microsoft-com:office:powerpoint" xmlns:com="http://schemas.openxmlformats.org/drawingml/2006/compatibility" xmlns:p15="http://schemas.microsoft.com/office/powerpoint/2012/main" xmlns:ahyp="http://schemas.microsoft.com/office/drawing/2018/hyperlinkcolor">
       <p:transition spd="med">
         <p:fade/>
       </p:transition>
@@ -13938,7 +13938,7 @@
         <p14:reveal/>
       </p:transition>
     </mc:Choice>
-    <mc:Fallback xmlns="" xmlns:mv="urn:schemas-microsoft-com:mac:vml" xmlns:c="http://schemas.openxmlformats.org/drawingml/2006/chart" xmlns:dgm="http://schemas.openxmlformats.org/drawingml/2006/diagram" xmlns:o="urn:schemas-microsoft-com:office:office" xmlns:v="urn:schemas-microsoft-com:vml" xmlns:pvml="urn:schemas-microsoft-com:office:powerpoint" xmlns:com="http://schemas.openxmlformats.org/drawingml/2006/compatibility" xmlns:p15="http://schemas.microsoft.com/office/powerpoint/2012/main" xmlns:ahyp="http://schemas.microsoft.com/office/drawing/2018/hyperlinkcolor">
+    <mc:Fallback xmlns:ahyp="http://schemas.microsoft.com/office/drawing/2018/hyperlinkcolor" xmlns:p15="http://schemas.microsoft.com/office/powerpoint/2012/main" xmlns:com="http://schemas.openxmlformats.org/drawingml/2006/compatibility" xmlns:pvml="urn:schemas-microsoft-com:office:powerpoint" xmlns:v="urn:schemas-microsoft-com:vml" xmlns:o="urn:schemas-microsoft-com:office:office" xmlns:dgm="http://schemas.openxmlformats.org/drawingml/2006/diagram" xmlns:c="http://schemas.openxmlformats.org/drawingml/2006/chart" xmlns:mv="urn:schemas-microsoft-com:mac:vml" xmlns="">
       <p:transition spd="med">
         <p:fade/>
       </p:transition>
@@ -16595,7 +16595,7 @@
         <p14:reveal/>
       </p:transition>
     </mc:Choice>
-    <mc:Fallback xmlns:ahyp="http://schemas.microsoft.com/office/drawing/2018/hyperlinkcolor" xmlns:p15="http://schemas.microsoft.com/office/powerpoint/2012/main" xmlns:com="http://schemas.openxmlformats.org/drawingml/2006/compatibility" xmlns:pvml="urn:schemas-microsoft-com:office:powerpoint" xmlns:v="urn:schemas-microsoft-com:vml" xmlns:o="urn:schemas-microsoft-com:office:office" xmlns:dgm="http://schemas.openxmlformats.org/drawingml/2006/diagram" xmlns:c="http://schemas.openxmlformats.org/drawingml/2006/chart" xmlns:mv="urn:schemas-microsoft-com:mac:vml" xmlns="">
+    <mc:Fallback xmlns="" xmlns:mv="urn:schemas-microsoft-com:mac:vml" xmlns:c="http://schemas.openxmlformats.org/drawingml/2006/chart" xmlns:dgm="http://schemas.openxmlformats.org/drawingml/2006/diagram" xmlns:o="urn:schemas-microsoft-com:office:office" xmlns:v="urn:schemas-microsoft-com:vml" xmlns:pvml="urn:schemas-microsoft-com:office:powerpoint" xmlns:com="http://schemas.openxmlformats.org/drawingml/2006/compatibility" xmlns:p15="http://schemas.microsoft.com/office/powerpoint/2012/main" xmlns:ahyp="http://schemas.microsoft.com/office/drawing/2018/hyperlinkcolor">
       <p:transition spd="med">
         <p:fade/>
       </p:transition>
